--- a/symposium/2018/talks/power_point/2018 Geosemantics Symposium Intro.pptx
+++ b/symposium/2018/talks/power_point/2018 Geosemantics Symposium Intro.pptx
@@ -5,15 +5,18 @@
     <p:sldMasterId id="2147483648" r:id="rId1"/>
   </p:sldMasterIdLst>
   <p:notesMasterIdLst>
-    <p:notesMasterId r:id="rId8"/>
+    <p:notesMasterId r:id="rId11"/>
   </p:notesMasterIdLst>
   <p:sldIdLst>
     <p:sldId id="256" r:id="rId2"/>
-    <p:sldId id="257" r:id="rId3"/>
-    <p:sldId id="258" r:id="rId4"/>
-    <p:sldId id="259" r:id="rId5"/>
-    <p:sldId id="260" r:id="rId6"/>
-    <p:sldId id="261" r:id="rId7"/>
+    <p:sldId id="262" r:id="rId3"/>
+    <p:sldId id="257" r:id="rId4"/>
+    <p:sldId id="258" r:id="rId5"/>
+    <p:sldId id="259" r:id="rId6"/>
+    <p:sldId id="260" r:id="rId7"/>
+    <p:sldId id="264" r:id="rId8"/>
+    <p:sldId id="261" r:id="rId9"/>
+    <p:sldId id="263" r:id="rId10"/>
   </p:sldIdLst>
   <p:sldSz cx="9144000" cy="6858000" type="screen4x3"/>
   <p:notesSz cx="6858000" cy="9144000"/>
@@ -112,6 +115,22 @@
       </a:defRPr>
     </a:lvl9pPr>
   </p:defaultTextStyle>
+  <p:extLst>
+    <p:ext uri="{EFAFB233-063F-42B5-8137-9DF3F51BA10A}">
+      <p15:sldGuideLst xmlns:p15="http://schemas.microsoft.com/office/powerpoint/2012/main">
+        <p15:guide id="1" orient="horz" pos="2160">
+          <p15:clr>
+            <a:srgbClr val="A4A3A4"/>
+          </p15:clr>
+        </p15:guide>
+        <p15:guide id="2" pos="2880">
+          <p15:clr>
+            <a:srgbClr val="A4A3A4"/>
+          </p15:clr>
+        </p15:guide>
+      </p15:sldGuideLst>
+    </p:ext>
+  </p:extLst>
 </p:presentation>
 </file>
 
@@ -197,7 +216,7 @@
           <a:p>
             <a:fld id="{11C821A0-7082-0C41-972B-D8E2315FCB5E}" type="datetimeFigureOut">
               <a:rPr lang="en-US" smtClean="0"/>
-              <a:t>12/28/17</a:t>
+              <a:t>1/5/18</a:t>
             </a:fld>
             <a:endParaRPr lang="en-US"/>
           </a:p>
@@ -509,6 +528,90 @@
           <a:bodyPr/>
           <a:lstStyle/>
           <a:p>
+            <a:endParaRPr lang="en-US"/>
+          </a:p>
+        </p:txBody>
+      </p:sp>
+      <p:sp>
+        <p:nvSpPr>
+          <p:cNvPr id="4" name="Slide Number Placeholder 3"/>
+          <p:cNvSpPr>
+            <a:spLocks noGrp="1"/>
+          </p:cNvSpPr>
+          <p:nvPr>
+            <p:ph type="sldNum" sz="quarter" idx="10"/>
+          </p:nvPr>
+        </p:nvSpPr>
+        <p:spPr/>
+        <p:txBody>
+          <a:bodyPr/>
+          <a:lstStyle/>
+          <a:p>
+            <a:fld id="{9298B20B-F556-0F48-AEB9-580BE3E276F1}" type="slidenum">
+              <a:rPr lang="en-US" smtClean="0"/>
+              <a:t>1</a:t>
+            </a:fld>
+            <a:endParaRPr lang="en-US"/>
+          </a:p>
+        </p:txBody>
+      </p:sp>
+    </p:spTree>
+    <p:extLst>
+      <p:ext uri="{BB962C8B-B14F-4D97-AF65-F5344CB8AC3E}">
+        <p14:creationId xmlns:p14="http://schemas.microsoft.com/office/powerpoint/2010/main" val="1796961880"/>
+      </p:ext>
+    </p:extLst>
+  </p:cSld>
+  <p:clrMapOvr>
+    <a:masterClrMapping/>
+  </p:clrMapOvr>
+</p:notes>
+</file>
+
+<file path=ppt/notesSlides/notesSlide2.xml><?xml version="1.0" encoding="utf-8"?>
+<p:notes xmlns:a="http://schemas.openxmlformats.org/drawingml/2006/main" xmlns:r="http://schemas.openxmlformats.org/officeDocument/2006/relationships" xmlns:p="http://schemas.openxmlformats.org/presentationml/2006/main">
+  <p:cSld>
+    <p:spTree>
+      <p:nvGrpSpPr>
+        <p:cNvPr id="1" name=""/>
+        <p:cNvGrpSpPr/>
+        <p:nvPr/>
+      </p:nvGrpSpPr>
+      <p:grpSpPr>
+        <a:xfrm>
+          <a:off x="0" y="0"/>
+          <a:ext cx="0" cy="0"/>
+          <a:chOff x="0" y="0"/>
+          <a:chExt cx="0" cy="0"/>
+        </a:xfrm>
+      </p:grpSpPr>
+      <p:sp>
+        <p:nvSpPr>
+          <p:cNvPr id="2" name="Slide Image Placeholder 1"/>
+          <p:cNvSpPr>
+            <a:spLocks noGrp="1" noRot="1" noChangeAspect="1"/>
+          </p:cNvSpPr>
+          <p:nvPr>
+            <p:ph type="sldImg"/>
+          </p:nvPr>
+        </p:nvSpPr>
+        <p:spPr/>
+      </p:sp>
+      <p:sp>
+        <p:nvSpPr>
+          <p:cNvPr id="3" name="Notes Placeholder 2"/>
+          <p:cNvSpPr>
+            <a:spLocks noGrp="1"/>
+          </p:cNvSpPr>
+          <p:nvPr>
+            <p:ph type="body" idx="1"/>
+          </p:nvPr>
+        </p:nvSpPr>
+        <p:spPr/>
+        <p:txBody>
+          <a:bodyPr/>
+          <a:lstStyle/>
+          <a:p>
             <a:endParaRPr lang="en-US" dirty="0"/>
           </a:p>
         </p:txBody>
@@ -530,7 +633,7 @@
           <a:p>
             <a:fld id="{9298B20B-F556-0F48-AEB9-580BE3E276F1}" type="slidenum">
               <a:rPr lang="en-US" smtClean="0"/>
-              <a:t>2</a:t>
+              <a:t>3</a:t>
             </a:fld>
             <a:endParaRPr lang="en-US"/>
           </a:p>
@@ -730,7 +833,7 @@
           <a:p>
             <a:fld id="{236C728A-C828-2244-A3AD-8EE61670AFCF}" type="datetimeFigureOut">
               <a:rPr lang="en-US" smtClean="0"/>
-              <a:t>12/28/17</a:t>
+              <a:t>1/5/18</a:t>
             </a:fld>
             <a:endParaRPr lang="en-US"/>
           </a:p>
@@ -900,7 +1003,7 @@
           <a:p>
             <a:fld id="{236C728A-C828-2244-A3AD-8EE61670AFCF}" type="datetimeFigureOut">
               <a:rPr lang="en-US" smtClean="0"/>
-              <a:t>12/28/17</a:t>
+              <a:t>1/5/18</a:t>
             </a:fld>
             <a:endParaRPr lang="en-US"/>
           </a:p>
@@ -1080,7 +1183,7 @@
           <a:p>
             <a:fld id="{236C728A-C828-2244-A3AD-8EE61670AFCF}" type="datetimeFigureOut">
               <a:rPr lang="en-US" smtClean="0"/>
-              <a:t>12/28/17</a:t>
+              <a:t>1/5/18</a:t>
             </a:fld>
             <a:endParaRPr lang="en-US"/>
           </a:p>
@@ -1250,7 +1353,7 @@
           <a:p>
             <a:fld id="{236C728A-C828-2244-A3AD-8EE61670AFCF}" type="datetimeFigureOut">
               <a:rPr lang="en-US" smtClean="0"/>
-              <a:t>12/28/17</a:t>
+              <a:t>1/5/18</a:t>
             </a:fld>
             <a:endParaRPr lang="en-US"/>
           </a:p>
@@ -1496,7 +1599,7 @@
           <a:p>
             <a:fld id="{236C728A-C828-2244-A3AD-8EE61670AFCF}" type="datetimeFigureOut">
               <a:rPr lang="en-US" smtClean="0"/>
-              <a:t>12/28/17</a:t>
+              <a:t>1/5/18</a:t>
             </a:fld>
             <a:endParaRPr lang="en-US"/>
           </a:p>
@@ -1784,7 +1887,7 @@
           <a:p>
             <a:fld id="{236C728A-C828-2244-A3AD-8EE61670AFCF}" type="datetimeFigureOut">
               <a:rPr lang="en-US" smtClean="0"/>
-              <a:t>12/28/17</a:t>
+              <a:t>1/5/18</a:t>
             </a:fld>
             <a:endParaRPr lang="en-US"/>
           </a:p>
@@ -2206,7 +2309,7 @@
           <a:p>
             <a:fld id="{236C728A-C828-2244-A3AD-8EE61670AFCF}" type="datetimeFigureOut">
               <a:rPr lang="en-US" smtClean="0"/>
-              <a:t>12/28/17</a:t>
+              <a:t>1/5/18</a:t>
             </a:fld>
             <a:endParaRPr lang="en-US"/>
           </a:p>
@@ -2324,7 +2427,7 @@
           <a:p>
             <a:fld id="{236C728A-C828-2244-A3AD-8EE61670AFCF}" type="datetimeFigureOut">
               <a:rPr lang="en-US" smtClean="0"/>
-              <a:t>12/28/17</a:t>
+              <a:t>1/5/18</a:t>
             </a:fld>
             <a:endParaRPr lang="en-US"/>
           </a:p>
@@ -2419,7 +2522,7 @@
           <a:p>
             <a:fld id="{236C728A-C828-2244-A3AD-8EE61670AFCF}" type="datetimeFigureOut">
               <a:rPr lang="en-US" smtClean="0"/>
-              <a:t>12/28/17</a:t>
+              <a:t>1/5/18</a:t>
             </a:fld>
             <a:endParaRPr lang="en-US"/>
           </a:p>
@@ -2696,7 +2799,7 @@
           <a:p>
             <a:fld id="{236C728A-C828-2244-A3AD-8EE61670AFCF}" type="datetimeFigureOut">
               <a:rPr lang="en-US" smtClean="0"/>
-              <a:t>12/28/17</a:t>
+              <a:t>1/5/18</a:t>
             </a:fld>
             <a:endParaRPr lang="en-US"/>
           </a:p>
@@ -2949,7 +3052,7 @@
           <a:p>
             <a:fld id="{236C728A-C828-2244-A3AD-8EE61670AFCF}" type="datetimeFigureOut">
               <a:rPr lang="en-US" smtClean="0"/>
-              <a:t>12/28/17</a:t>
+              <a:t>1/5/18</a:t>
             </a:fld>
             <a:endParaRPr lang="en-US"/>
           </a:p>
@@ -3162,7 +3265,7 @@
           <a:p>
             <a:fld id="{236C728A-C828-2244-A3AD-8EE61670AFCF}" type="datetimeFigureOut">
               <a:rPr lang="en-US" smtClean="0"/>
-              <a:t>12/28/17</a:t>
+              <a:t>1/5/18</a:t>
             </a:fld>
             <a:endParaRPr lang="en-US"/>
           </a:p>
@@ -3633,8 +3736,8 @@
         </p:nvSpPr>
         <p:spPr>
           <a:xfrm>
-            <a:off x="1540992" y="5237914"/>
-            <a:ext cx="6302399" cy="923330"/>
+            <a:off x="1540992" y="4685258"/>
+            <a:ext cx="6302399" cy="1200329"/>
           </a:xfrm>
           <a:prstGeom prst="rect">
             <a:avLst/>
@@ -3649,48 +3752,86 @@
           <a:p>
             <a:pPr algn="ctr"/>
             <a:r>
-              <a:rPr lang="en-US" u="sng" dirty="0" err="1" smtClean="0"/>
+              <a:rPr lang="en-US" sz="2400" u="sng" dirty="0" err="1" smtClean="0"/>
               <a:t>WiFi</a:t>
             </a:r>
             <a:r>
-              <a:rPr lang="en-US" u="sng" dirty="0" smtClean="0"/>
+              <a:rPr lang="en-US" sz="2400" u="sng" dirty="0" smtClean="0"/>
               <a:t> Access</a:t>
             </a:r>
           </a:p>
           <a:p>
             <a:pPr algn="ctr"/>
             <a:r>
-              <a:rPr lang="en-US" dirty="0" smtClean="0"/>
+              <a:rPr lang="en-US" sz="2400" dirty="0" smtClean="0"/>
               <a:t>Network: </a:t>
             </a:r>
             <a:r>
-              <a:rPr lang="en-US" dirty="0" err="1" smtClean="0"/>
+              <a:rPr lang="en-US" sz="2400" dirty="0" err="1" smtClean="0"/>
               <a:t>Marriott_Conference</a:t>
             </a:r>
-            <a:endParaRPr lang="en-US" dirty="0" smtClean="0"/>
+            <a:endParaRPr lang="en-US" sz="2400" dirty="0" smtClean="0"/>
           </a:p>
           <a:p>
             <a:pPr algn="ctr"/>
             <a:r>
-              <a:rPr lang="en-US" dirty="0" smtClean="0"/>
+              <a:rPr lang="en-US" sz="2400" dirty="0" smtClean="0"/>
               <a:t>Password: </a:t>
             </a:r>
             <a:r>
-              <a:rPr lang="en-US" dirty="0" err="1" smtClean="0">
+              <a:rPr lang="en-US" sz="2400" dirty="0" err="1" smtClean="0">
                 <a:solidFill>
-                  <a:srgbClr val="67BAF6"/>
+                  <a:schemeClr val="accent3"/>
                 </a:solidFill>
               </a:rPr>
               <a:t>earthscience</a:t>
             </a:r>
             <a:r>
-              <a:rPr lang="en-US" dirty="0" smtClean="0"/>
+              <a:rPr lang="en-US" sz="2400" dirty="0" smtClean="0">
+                <a:solidFill>
+                  <a:schemeClr val="accent3"/>
+                </a:solidFill>
+              </a:rPr>
               <a:t> </a:t>
             </a:r>
-            <a:endParaRPr lang="en-US" dirty="0"/>
-          </a:p>
-        </p:txBody>
-      </p:sp>
+            <a:endParaRPr lang="en-US" sz="2400" dirty="0">
+              <a:solidFill>
+                <a:schemeClr val="accent3"/>
+              </a:solidFill>
+            </a:endParaRPr>
+          </a:p>
+        </p:txBody>
+      </p:sp>
+      <p:pic>
+        <p:nvPicPr>
+          <p:cNvPr id="5" name="Picture 4"/>
+          <p:cNvPicPr>
+            <a:picLocks noChangeAspect="1"/>
+          </p:cNvPicPr>
+          <p:nvPr/>
+        </p:nvPicPr>
+        <p:blipFill>
+          <a:blip r:embed="rId3">
+            <a:extLst>
+              <a:ext uri="{28A0092B-C50C-407E-A947-70E740481C1C}">
+                <a14:useLocalDpi xmlns:a14="http://schemas.microsoft.com/office/drawing/2010/main" val="0"/>
+              </a:ext>
+            </a:extLst>
+          </a:blip>
+          <a:stretch>
+            <a:fillRect/>
+          </a:stretch>
+        </p:blipFill>
+        <p:spPr>
+          <a:xfrm>
+            <a:off x="3487057" y="1439437"/>
+            <a:ext cx="1917700" cy="889000"/>
+          </a:xfrm>
+          <a:prstGeom prst="rect">
+            <a:avLst/>
+          </a:prstGeom>
+        </p:spPr>
+      </p:pic>
     </p:spTree>
     <p:extLst>
       <p:ext uri="{BB962C8B-B14F-4D97-AF65-F5344CB8AC3E}">
@@ -3731,30 +3872,42 @@
             <p:ph type="title"/>
           </p:nvPr>
         </p:nvSpPr>
-        <p:spPr>
-          <a:xfrm>
-            <a:off x="307330" y="0"/>
-            <a:ext cx="8229600" cy="1143000"/>
-          </a:xfrm>
-        </p:spPr>
+        <p:spPr/>
         <p:txBody>
           <a:bodyPr>
-            <a:noAutofit/>
+            <a:normAutofit/>
           </a:bodyPr>
           <a:lstStyle/>
           <a:p>
             <a:pPr algn="l"/>
             <a:r>
-              <a:rPr lang="en-US" sz="4800" dirty="0" smtClean="0">
+              <a:rPr lang="en-US" dirty="0">
                 <a:solidFill>
-                  <a:srgbClr val="67BAF6"/>
+                  <a:schemeClr val="accent3">
+                    <a:lumMod val="60000"/>
+                    <a:lumOff val="40000"/>
+                  </a:schemeClr>
                 </a:solidFill>
               </a:rPr>
-              <a:t>Goals:</a:t>
-            </a:r>
-            <a:endParaRPr lang="en-US" sz="4800" dirty="0">
+              <a:t>Sched D</a:t>
+            </a:r>
+            <a:r>
+              <a:rPr lang="en-US" dirty="0" smtClean="0">
+                <a:solidFill>
+                  <a:schemeClr val="accent3">
+                    <a:lumMod val="60000"/>
+                    <a:lumOff val="40000"/>
+                  </a:schemeClr>
+                </a:solidFill>
+              </a:rPr>
+              <a:t>etails</a:t>
+            </a:r>
+            <a:endParaRPr lang="en-US" dirty="0">
               <a:solidFill>
-                <a:srgbClr val="67BAF6"/>
+                <a:schemeClr val="accent3">
+                  <a:lumMod val="60000"/>
+                  <a:lumOff val="40000"/>
+                </a:schemeClr>
               </a:solidFill>
             </a:endParaRPr>
           </a:p>
@@ -3762,118 +3915,93 @@
       </p:sp>
       <p:sp>
         <p:nvSpPr>
-          <p:cNvPr id="3" name="TextBox 2"/>
-          <p:cNvSpPr txBox="1"/>
-          <p:nvPr/>
-        </p:nvSpPr>
-        <p:spPr>
-          <a:xfrm>
-            <a:off x="394097" y="1017607"/>
-            <a:ext cx="8308183" cy="5632311"/>
-          </a:xfrm>
-          <a:prstGeom prst="rect">
-            <a:avLst/>
-          </a:prstGeom>
-          <a:noFill/>
-        </p:spPr>
-        <p:txBody>
-          <a:bodyPr wrap="square" rtlCol="0">
-            <a:spAutoFit/>
+          <p:cNvPr id="3" name="Content Placeholder 2"/>
+          <p:cNvSpPr>
+            <a:spLocks noGrp="1"/>
+          </p:cNvSpPr>
+          <p:nvPr>
+            <p:ph idx="1"/>
+          </p:nvPr>
+        </p:nvSpPr>
+        <p:spPr/>
+        <p:txBody>
+          <a:bodyPr>
+            <a:normAutofit lnSpcReduction="10000"/>
           </a:bodyPr>
           <a:lstStyle/>
           <a:p>
-            <a:pPr marL="285750" indent="-285750">
-              <a:buFont typeface="Arial"/>
-              <a:buChar char="•"/>
-            </a:pPr>
-            <a:r>
-              <a:rPr lang="en-US" sz="2400" dirty="0" smtClean="0"/>
-              <a:t>Bring the geoscience community together to explore the potential of semantic technologies to support Earth science research</a:t>
-            </a:r>
-          </a:p>
-          <a:p>
-            <a:pPr marL="742950" lvl="1" indent="-285750">
-              <a:buFont typeface="Arial"/>
-              <a:buChar char="•"/>
-            </a:pPr>
-            <a:r>
-              <a:rPr lang="en-US" sz="2400" dirty="0" smtClean="0"/>
-              <a:t>Find out how semantic technologies are being used in geoscience and other science communities</a:t>
-            </a:r>
-          </a:p>
-          <a:p>
-            <a:pPr marL="742950" lvl="1" indent="-285750">
-              <a:buFont typeface="Arial"/>
-              <a:buChar char="•"/>
-            </a:pPr>
-            <a:r>
-              <a:rPr lang="en-US" sz="2400" dirty="0" smtClean="0"/>
-              <a:t>Learn about semantic tools, techniques and platforms, and how to use them</a:t>
-            </a:r>
-          </a:p>
-          <a:p>
-            <a:pPr marL="742950" lvl="1" indent="-285750">
-              <a:buFont typeface="Arial"/>
-              <a:buChar char="•"/>
-            </a:pPr>
-            <a:r>
-              <a:rPr lang="en-US" sz="2400" dirty="0" smtClean="0"/>
-              <a:t>Discover opportunities for collaboration</a:t>
-            </a:r>
-          </a:p>
-          <a:p>
-            <a:pPr marL="742950" lvl="1" indent="-285750">
-              <a:buFont typeface="Arial"/>
-              <a:buChar char="•"/>
-            </a:pPr>
-            <a:r>
-              <a:rPr lang="en-US" sz="2400" dirty="0" smtClean="0"/>
-              <a:t>Develop a roadmap for fully leveraging semantic technologies for </a:t>
-            </a:r>
-            <a:r>
-              <a:rPr lang="en-US" sz="2400" dirty="0" smtClean="0"/>
-              <a:t>geoscience</a:t>
-            </a:r>
-            <a:endParaRPr lang="en-US" sz="2400" dirty="0" smtClean="0"/>
-          </a:p>
-          <a:p>
-            <a:pPr lvl="1" algn="ctr"/>
-            <a:r>
-              <a:rPr lang="en-US" sz="3000" dirty="0" smtClean="0">
-                <a:solidFill>
-                  <a:srgbClr val="67BAF6"/>
-                </a:solidFill>
-              </a:rPr>
-              <a:t>Our </a:t>
-            </a:r>
-            <a:r>
-              <a:rPr lang="en-US" sz="3000" dirty="0">
-                <a:solidFill>
-                  <a:srgbClr val="67BAF6"/>
-                </a:solidFill>
-              </a:rPr>
-              <a:t>theme this year is practical applications of semantics and ontologies, with a special subtopic on the role of semantic technologies in artificial </a:t>
-            </a:r>
-            <a:r>
-              <a:rPr lang="en-US" sz="3000" dirty="0" smtClean="0">
-                <a:solidFill>
-                  <a:srgbClr val="67BAF6"/>
-                </a:solidFill>
-              </a:rPr>
-              <a:t>intelligence</a:t>
-            </a:r>
-            <a:endParaRPr lang="en-US" sz="3000" dirty="0" smtClean="0">
-              <a:solidFill>
-                <a:srgbClr val="67BAF6"/>
-              </a:solidFill>
-            </a:endParaRPr>
+            <a:r>
+              <a:rPr lang="en-US" dirty="0" smtClean="0"/>
+              <a:t>Monday </a:t>
+            </a:r>
+            <a:r>
+              <a:rPr lang="en-US" dirty="0"/>
+              <a:t>January 8, 2018 8:30am - 5:00pm </a:t>
+            </a:r>
+            <a:br>
+              <a:rPr lang="en-US" dirty="0"/>
+            </a:br>
+            <a:r>
+              <a:rPr lang="en-US" dirty="0">
+                <a:hlinkClick r:id="rId2"/>
+              </a:rPr>
+              <a:t>Glen Echo</a:t>
+            </a:r>
+            <a:r>
+              <a:rPr lang="en-US" dirty="0"/>
+              <a:t> </a:t>
+            </a:r>
+          </a:p>
+          <a:p>
+            <a:r>
+              <a:rPr lang="en-US" b="1" dirty="0" smtClean="0"/>
+              <a:t>Remote </a:t>
+            </a:r>
+            <a:r>
+              <a:rPr lang="en-US" b="1" dirty="0"/>
+              <a:t>Participation Link</a:t>
+            </a:r>
+            <a:r>
+              <a:rPr lang="en-US" dirty="0"/>
+              <a:t> </a:t>
+            </a:r>
+            <a:r>
+              <a:rPr lang="en-US" dirty="0">
+                <a:hlinkClick r:id="rId3"/>
+              </a:rPr>
+              <a:t>https://global.gotomeeting.com/join/172391781</a:t>
+            </a:r>
+            <a:endParaRPr lang="en-US" dirty="0"/>
+          </a:p>
+          <a:p>
+            <a:r>
+              <a:rPr lang="en-US" b="1" dirty="0"/>
+              <a:t>Remote Participation Phone #</a:t>
+            </a:r>
+            <a:r>
+              <a:rPr lang="en-US" dirty="0"/>
+              <a:t> +1 (646) 749-3122</a:t>
+            </a:r>
+          </a:p>
+          <a:p>
+            <a:r>
+              <a:rPr lang="en-US" b="1" dirty="0"/>
+              <a:t>Remote Participation Access Code</a:t>
+            </a:r>
+            <a:r>
+              <a:rPr lang="en-US" dirty="0"/>
+              <a:t> 172-391-781</a:t>
+            </a:r>
+          </a:p>
+          <a:p>
+            <a:endParaRPr lang="en-US" dirty="0"/>
           </a:p>
         </p:txBody>
       </p:sp>
     </p:spTree>
     <p:extLst>
       <p:ext uri="{BB962C8B-B14F-4D97-AF65-F5344CB8AC3E}">
-        <p14:creationId xmlns:p14="http://schemas.microsoft.com/office/powerpoint/2010/main" val="1990074683"/>
+        <p14:creationId xmlns:p14="http://schemas.microsoft.com/office/powerpoint/2010/main" val="342556805"/>
       </p:ext>
     </p:extLst>
   </p:cSld>
@@ -3912,36 +4040,26 @@
         </p:nvSpPr>
         <p:spPr>
           <a:xfrm>
-            <a:off x="457200" y="394423"/>
-            <a:ext cx="8229600" cy="1372586"/>
+            <a:off x="307330" y="0"/>
+            <a:ext cx="8229600" cy="1143000"/>
           </a:xfrm>
         </p:spPr>
         <p:txBody>
           <a:bodyPr>
-            <a:normAutofit fontScale="90000"/>
+            <a:noAutofit/>
           </a:bodyPr>
           <a:lstStyle/>
           <a:p>
-            <a:r>
-              <a:rPr lang="en-US" dirty="0" smtClean="0">
+            <a:pPr algn="l"/>
+            <a:r>
+              <a:rPr lang="en-US" sz="4800" dirty="0" smtClean="0">
                 <a:solidFill>
                   <a:srgbClr val="67BAF6"/>
                 </a:solidFill>
               </a:rPr>
-              <a:t>Agenda</a:t>
-            </a:r>
-            <a:r>
-              <a:rPr lang="en-US" dirty="0" smtClean="0"/>
-              <a:t> </a:t>
-            </a:r>
-            <a:r>
-              <a:rPr lang="en-US" dirty="0"/>
-              <a:t/>
-            </a:r>
-            <a:br>
-              <a:rPr lang="en-US" dirty="0"/>
-            </a:br>
-            <a:endParaRPr lang="en-US" dirty="0">
+              <a:t>Goals:</a:t>
+            </a:r>
+            <a:endParaRPr lang="en-US" sz="4800" dirty="0">
               <a:solidFill>
                 <a:srgbClr val="67BAF6"/>
               </a:solidFill>
@@ -3957,8 +4075,8 @@
         </p:nvSpPr>
         <p:spPr>
           <a:xfrm>
-            <a:off x="315514" y="1903318"/>
-            <a:ext cx="8308183" cy="3970318"/>
+            <a:off x="394097" y="1017607"/>
+            <a:ext cx="8308183" cy="5632311"/>
           </a:xfrm>
           <a:prstGeom prst="rect">
             <a:avLst/>
@@ -3971,56 +4089,94 @@
           </a:bodyPr>
           <a:lstStyle/>
           <a:p>
-            <a:r>
-              <a:rPr lang="en-US" sz="2800" dirty="0" smtClean="0">
+            <a:pPr marL="285750" indent="-285750" algn="just">
+              <a:buFont typeface="Arial"/>
+              <a:buChar char="•"/>
+            </a:pPr>
+            <a:r>
+              <a:rPr lang="en-US" sz="2400" dirty="0" smtClean="0"/>
+              <a:t>Bring the geoscience community together to explore the potential of semantic technologies to support Earth science research</a:t>
+            </a:r>
+          </a:p>
+          <a:p>
+            <a:pPr marL="742950" lvl="1" indent="-285750" algn="just">
+              <a:buFont typeface="Arial"/>
+              <a:buChar char="•"/>
+            </a:pPr>
+            <a:r>
+              <a:rPr lang="en-US" sz="2400" dirty="0" smtClean="0"/>
+              <a:t>Find out how semantic technologies are being used in geoscience and other science communities</a:t>
+            </a:r>
+          </a:p>
+          <a:p>
+            <a:pPr marL="742950" lvl="1" indent="-285750" algn="just">
+              <a:buFont typeface="Arial"/>
+              <a:buChar char="•"/>
+            </a:pPr>
+            <a:r>
+              <a:rPr lang="en-US" sz="2400" dirty="0" smtClean="0"/>
+              <a:t>Learn about semantic tools, techniques and platforms, and how to use them</a:t>
+            </a:r>
+          </a:p>
+          <a:p>
+            <a:pPr marL="742950" lvl="1" indent="-285750" algn="just">
+              <a:buFont typeface="Arial"/>
+              <a:buChar char="•"/>
+            </a:pPr>
+            <a:r>
+              <a:rPr lang="en-US" sz="2400" dirty="0" smtClean="0"/>
+              <a:t>Discover opportunities for collaboration</a:t>
+            </a:r>
+          </a:p>
+          <a:p>
+            <a:pPr marL="742950" lvl="1" indent="-285750" algn="just">
+              <a:buFont typeface="Arial"/>
+              <a:buChar char="•"/>
+            </a:pPr>
+            <a:r>
+              <a:rPr lang="en-US" sz="2400" dirty="0" smtClean="0"/>
+              <a:t>Develop a roadmap for fully leveraging semantic technologies for geoscience</a:t>
+            </a:r>
+          </a:p>
+          <a:p>
+            <a:pPr lvl="1" algn="ctr"/>
+            <a:r>
+              <a:rPr lang="en-US" sz="3000" dirty="0" smtClean="0">
                 <a:solidFill>
-                  <a:srgbClr val="67BAF6"/>
+                  <a:schemeClr val="accent3">
+                    <a:lumMod val="75000"/>
+                  </a:schemeClr>
                 </a:solidFill>
               </a:rPr>
-              <a:t>Morning sessions:</a:t>
-            </a:r>
-            <a:r>
-              <a:rPr lang="en-US" sz="2800" dirty="0" smtClean="0"/>
-              <a:t> </a:t>
-            </a:r>
-            <a:r>
-              <a:rPr lang="en-US" sz="2800" dirty="0" smtClean="0"/>
-              <a:t>The morning </a:t>
-            </a:r>
-            <a:r>
-              <a:rPr lang="en-US" sz="2800" dirty="0" smtClean="0"/>
-              <a:t>sessions feature </a:t>
-            </a:r>
-            <a:r>
-              <a:rPr lang="en-US" sz="2800" dirty="0" smtClean="0"/>
-              <a:t>short presentations on semantic technology projects around the Earth science and </a:t>
-            </a:r>
-            <a:r>
-              <a:rPr lang="en-US" sz="2800" dirty="0" smtClean="0"/>
-              <a:t>health </a:t>
-            </a:r>
-            <a:r>
-              <a:rPr lang="en-US" sz="2800" dirty="0" smtClean="0"/>
-              <a:t>science communities. Our fabulous line-up of speakers will give you a brief overview of their projects, </a:t>
-            </a:r>
-            <a:r>
-              <a:rPr lang="en-US" sz="2800" dirty="0" smtClean="0"/>
-              <a:t>which </a:t>
-            </a:r>
-            <a:r>
-              <a:rPr lang="en-US" sz="2800" dirty="0" smtClean="0"/>
-              <a:t>range from ontology development and maintenance to machine learning and AI techniques.</a:t>
-            </a:r>
-          </a:p>
-          <a:p>
-            <a:endParaRPr lang="en-US" sz="2800" dirty="0"/>
+              <a:t>Our </a:t>
+            </a:r>
+            <a:r>
+              <a:rPr lang="en-US" sz="3000" dirty="0">
+                <a:solidFill>
+                  <a:schemeClr val="accent3">
+                    <a:lumMod val="75000"/>
+                  </a:schemeClr>
+                </a:solidFill>
+              </a:rPr>
+              <a:t>theme this year is practical applications of semantics and ontologies, with a special subtopic on the role of semantic technologies in artificial </a:t>
+            </a:r>
+            <a:r>
+              <a:rPr lang="en-US" sz="3000" dirty="0" smtClean="0">
+                <a:solidFill>
+                  <a:schemeClr val="accent3">
+                    <a:lumMod val="75000"/>
+                  </a:schemeClr>
+                </a:solidFill>
+              </a:rPr>
+              <a:t>intelligence</a:t>
+            </a:r>
           </a:p>
         </p:txBody>
       </p:sp>
     </p:spTree>
     <p:extLst>
       <p:ext uri="{BB962C8B-B14F-4D97-AF65-F5344CB8AC3E}">
-        <p14:creationId xmlns:p14="http://schemas.microsoft.com/office/powerpoint/2010/main" val="1409671254"/>
+        <p14:creationId xmlns:p14="http://schemas.microsoft.com/office/powerpoint/2010/main" val="1990074683"/>
       </p:ext>
     </p:extLst>
   </p:cSld>
@@ -4059,13 +4215,13 @@
         </p:nvSpPr>
         <p:spPr>
           <a:xfrm>
-            <a:off x="457200" y="190143"/>
-            <a:ext cx="8229600" cy="1143000"/>
+            <a:off x="457200" y="394423"/>
+            <a:ext cx="8229600" cy="1372586"/>
           </a:xfrm>
         </p:spPr>
         <p:txBody>
           <a:bodyPr>
-            <a:normAutofit/>
+            <a:normAutofit fontScale="90000"/>
           </a:bodyPr>
           <a:lstStyle/>
           <a:p>
@@ -4077,6 +4233,17 @@
               </a:rPr>
               <a:t>Agenda</a:t>
             </a:r>
+            <a:r>
+              <a:rPr lang="en-US" dirty="0" smtClean="0"/>
+              <a:t> </a:t>
+            </a:r>
+            <a:r>
+              <a:rPr lang="en-US" dirty="0"/>
+              <a:t/>
+            </a:r>
+            <a:br>
+              <a:rPr lang="en-US" dirty="0"/>
+            </a:br>
             <a:endParaRPr lang="en-US" dirty="0">
               <a:solidFill>
                 <a:srgbClr val="67BAF6"/>
@@ -4093,8 +4260,8 @@
         </p:nvSpPr>
         <p:spPr>
           <a:xfrm>
-            <a:off x="378617" y="1853784"/>
-            <a:ext cx="8308183" cy="4401205"/>
+            <a:off x="315514" y="1903318"/>
+            <a:ext cx="8308183" cy="3970318"/>
           </a:xfrm>
           <a:prstGeom prst="rect">
             <a:avLst/>
@@ -4107,18 +4274,23 @@
           </a:bodyPr>
           <a:lstStyle/>
           <a:p>
+            <a:pPr algn="just"/>
             <a:r>
               <a:rPr lang="en-US" sz="2800" dirty="0" smtClean="0">
                 <a:solidFill>
-                  <a:srgbClr val="67BAF6"/>
+                  <a:schemeClr val="accent3">
+                    <a:lumMod val="75000"/>
+                  </a:schemeClr>
                 </a:solidFill>
               </a:rPr>
-              <a:t>Afternoon sessions:</a:t>
+              <a:t>Morning sessions: </a:t>
             </a:r>
             <a:r>
               <a:rPr lang="en-US" sz="2800" dirty="0" smtClean="0"/>
-              <a:t> In the afternoon, many of the speakers from the morning sessions, as well as some new presenters, will provide an in-depth look at their projects and the tools and platforms they work with. For these workshop sessions, we’ll split into smaller groups, with three workshops being give during each 45 minute session. Each workshop will be given twice, so if 2 workshops interest you but are at the same time, you can still participate in both. </a:t>
-            </a:r>
+              <a:t>The morning sessions feature short presentations on semantic technology projects around the Earth science and health science communities. Our fabulous line-up of speakers will give you a brief overview of their projects, which range from ontology development and maintenance to machine learning and AI techniques.</a:t>
+            </a:r>
+          </a:p>
+          <a:p>
             <a:endParaRPr lang="en-US" sz="2800" dirty="0"/>
           </a:p>
         </p:txBody>
@@ -4126,7 +4298,7 @@
     </p:spTree>
     <p:extLst>
       <p:ext uri="{BB962C8B-B14F-4D97-AF65-F5344CB8AC3E}">
-        <p14:creationId xmlns:p14="http://schemas.microsoft.com/office/powerpoint/2010/main" val="2047104818"/>
+        <p14:creationId xmlns:p14="http://schemas.microsoft.com/office/powerpoint/2010/main" val="1409671254"/>
       </p:ext>
     </p:extLst>
   </p:cSld>
@@ -4199,8 +4371,8 @@
         </p:nvSpPr>
         <p:spPr>
           <a:xfrm>
-            <a:off x="378617" y="2137768"/>
-            <a:ext cx="8308183" cy="1384995"/>
+            <a:off x="378617" y="1853784"/>
+            <a:ext cx="8308183" cy="4401205"/>
           </a:xfrm>
           <a:prstGeom prst="rect">
             <a:avLst/>
@@ -4213,25 +4385,29 @@
           </a:bodyPr>
           <a:lstStyle/>
           <a:p>
+            <a:pPr algn="just"/>
             <a:r>
               <a:rPr lang="en-US" sz="2800" dirty="0" smtClean="0">
                 <a:solidFill>
-                  <a:srgbClr val="67BAF6"/>
+                  <a:schemeClr val="accent3">
+                    <a:lumMod val="75000"/>
+                  </a:schemeClr>
                 </a:solidFill>
               </a:rPr>
-              <a:t>Discussion:</a:t>
+              <a:t>Afternoon sessions: </a:t>
             </a:r>
             <a:r>
               <a:rPr lang="en-US" sz="2800" dirty="0" smtClean="0"/>
-              <a:t> During the last 45 minute session, we’ll have a group discussion on developing a semantic technology roadmap for Earth science. </a:t>
-            </a:r>
+              <a:t>In the afternoon, many of the speakers from the morning sessions, as well as some new presenters, will provide an in-depth look at their projects and the tools and platforms they work with. For these workshop sessions, we’ll split into smaller groups, with three workshops being give during each 45 minute session. Each workshop will be given twice, so if 2 workshops interest you but are at the same time, you can still participate in both. </a:t>
+            </a:r>
+            <a:endParaRPr lang="en-US" sz="2800" dirty="0"/>
           </a:p>
         </p:txBody>
       </p:sp>
     </p:spTree>
     <p:extLst>
       <p:ext uri="{BB962C8B-B14F-4D97-AF65-F5344CB8AC3E}">
-        <p14:creationId xmlns:p14="http://schemas.microsoft.com/office/powerpoint/2010/main" val="4070640772"/>
+        <p14:creationId xmlns:p14="http://schemas.microsoft.com/office/powerpoint/2010/main" val="2047104818"/>
       </p:ext>
     </p:extLst>
   </p:cSld>
@@ -4286,6 +4462,1260 @@
                   <a:srgbClr val="67BAF6"/>
                 </a:solidFill>
               </a:rPr>
+              <a:t>Agenda</a:t>
+            </a:r>
+            <a:endParaRPr lang="en-US" dirty="0">
+              <a:solidFill>
+                <a:srgbClr val="67BAF6"/>
+              </a:solidFill>
+            </a:endParaRPr>
+          </a:p>
+        </p:txBody>
+      </p:sp>
+      <p:sp>
+        <p:nvSpPr>
+          <p:cNvPr id="3" name="TextBox 2"/>
+          <p:cNvSpPr txBox="1"/>
+          <p:nvPr/>
+        </p:nvSpPr>
+        <p:spPr>
+          <a:xfrm>
+            <a:off x="417908" y="1462854"/>
+            <a:ext cx="8308183" cy="4401205"/>
+          </a:xfrm>
+          <a:prstGeom prst="rect">
+            <a:avLst/>
+          </a:prstGeom>
+          <a:noFill/>
+        </p:spPr>
+        <p:txBody>
+          <a:bodyPr wrap="square" rtlCol="0">
+            <a:spAutoFit/>
+          </a:bodyPr>
+          <a:lstStyle/>
+          <a:p>
+            <a:pPr algn="just"/>
+            <a:r>
+              <a:rPr lang="en-US" sz="2800" dirty="0" smtClean="0">
+                <a:solidFill>
+                  <a:schemeClr val="accent3">
+                    <a:lumMod val="75000"/>
+                  </a:schemeClr>
+                </a:solidFill>
+              </a:rPr>
+              <a:t>Discussion: </a:t>
+            </a:r>
+            <a:r>
+              <a:rPr lang="en-US" sz="2800" dirty="0" smtClean="0"/>
+              <a:t>During the last 45 minute session, we’ll have a group discussion on developing a semantic technology roadmap for Earth science. </a:t>
+            </a:r>
+            <a:endParaRPr lang="en-US" sz="2800" dirty="0" smtClean="0"/>
+          </a:p>
+          <a:p>
+            <a:pPr algn="just"/>
+            <a:endParaRPr lang="en-US" sz="2800" dirty="0"/>
+          </a:p>
+          <a:p>
+            <a:pPr algn="just"/>
+            <a:r>
+              <a:rPr lang="en-US" sz="2800" dirty="0" smtClean="0"/>
+              <a:t>If time permits, we will discuss the relevancy of the content on the Semantic Technologies wiki page in particular</a:t>
+            </a:r>
+          </a:p>
+          <a:p>
+            <a:pPr marL="457200" indent="-457200" algn="just">
+              <a:buFont typeface="Arial" charset="0"/>
+              <a:buChar char="•"/>
+            </a:pPr>
+            <a:r>
+              <a:rPr lang="en-US" sz="2800" i="1" dirty="0" smtClean="0"/>
+              <a:t>Current Projects and Collaborations, and</a:t>
+            </a:r>
+          </a:p>
+          <a:p>
+            <a:pPr marL="457200" indent="-457200" algn="just">
+              <a:buFont typeface="Arial" charset="0"/>
+              <a:buChar char="•"/>
+            </a:pPr>
+            <a:r>
+              <a:rPr lang="en-US" sz="2800" i="1" dirty="0" smtClean="0"/>
+              <a:t>Semantic Technologies Strategic Vision</a:t>
+            </a:r>
+          </a:p>
+          <a:p>
+            <a:pPr marL="457200" indent="-457200" algn="just">
+              <a:buFont typeface="Arial" charset="0"/>
+              <a:buChar char="•"/>
+            </a:pPr>
+            <a:endParaRPr lang="en-US" sz="2800" i="1" dirty="0" smtClean="0"/>
+          </a:p>
+        </p:txBody>
+      </p:sp>
+    </p:spTree>
+    <p:extLst>
+      <p:ext uri="{BB962C8B-B14F-4D97-AF65-F5344CB8AC3E}">
+        <p14:creationId xmlns:p14="http://schemas.microsoft.com/office/powerpoint/2010/main" val="4070640772"/>
+      </p:ext>
+    </p:extLst>
+  </p:cSld>
+  <p:clrMapOvr>
+    <a:masterClrMapping/>
+  </p:clrMapOvr>
+</p:sld>
+</file>
+
+<file path=ppt/slides/slide7.xml><?xml version="1.0" encoding="utf-8"?>
+<p:sld xmlns:a="http://schemas.openxmlformats.org/drawingml/2006/main" xmlns:r="http://schemas.openxmlformats.org/officeDocument/2006/relationships" xmlns:p="http://schemas.openxmlformats.org/presentationml/2006/main">
+  <p:cSld>
+    <p:spTree>
+      <p:nvGrpSpPr>
+        <p:cNvPr id="1" name=""/>
+        <p:cNvGrpSpPr/>
+        <p:nvPr/>
+      </p:nvGrpSpPr>
+      <p:grpSpPr>
+        <a:xfrm>
+          <a:off x="0" y="0"/>
+          <a:ext cx="0" cy="0"/>
+          <a:chOff x="0" y="0"/>
+          <a:chExt cx="0" cy="0"/>
+        </a:xfrm>
+      </p:grpSpPr>
+      <p:sp>
+        <p:nvSpPr>
+          <p:cNvPr id="2" name="Title 1"/>
+          <p:cNvSpPr>
+            <a:spLocks noGrp="1"/>
+          </p:cNvSpPr>
+          <p:nvPr>
+            <p:ph type="title"/>
+          </p:nvPr>
+        </p:nvSpPr>
+        <p:spPr>
+          <a:xfrm>
+            <a:off x="152400" y="-139362"/>
+            <a:ext cx="9111343" cy="1143000"/>
+          </a:xfrm>
+        </p:spPr>
+        <p:txBody>
+          <a:bodyPr>
+            <a:normAutofit fontScale="90000"/>
+          </a:bodyPr>
+          <a:lstStyle/>
+          <a:p>
+            <a:r>
+              <a:rPr lang="en-US" dirty="0" smtClean="0">
+                <a:solidFill>
+                  <a:srgbClr val="67BAF6"/>
+                </a:solidFill>
+              </a:rPr>
+              <a:t>Relevant Semantics Sessions @ESIP</a:t>
+            </a:r>
+            <a:endParaRPr lang="en-US" dirty="0">
+              <a:solidFill>
+                <a:srgbClr val="67BAF6"/>
+              </a:solidFill>
+            </a:endParaRPr>
+          </a:p>
+        </p:txBody>
+      </p:sp>
+      <p:sp>
+        <p:nvSpPr>
+          <p:cNvPr id="3" name="TextBox 2"/>
+          <p:cNvSpPr txBox="1"/>
+          <p:nvPr/>
+        </p:nvSpPr>
+        <p:spPr>
+          <a:xfrm>
+            <a:off x="0" y="762000"/>
+            <a:ext cx="8784771" cy="6186309"/>
+          </a:xfrm>
+          <a:prstGeom prst="rect">
+            <a:avLst/>
+          </a:prstGeom>
+          <a:noFill/>
+        </p:spPr>
+        <p:txBody>
+          <a:bodyPr wrap="square" rtlCol="0">
+            <a:spAutoFit/>
+          </a:bodyPr>
+          <a:lstStyle/>
+          <a:p>
+            <a:pPr marL="457200" indent="-457200" algn="just">
+              <a:buFont typeface="Arial" charset="0"/>
+              <a:buChar char="•"/>
+            </a:pPr>
+            <a:r>
+              <a:rPr lang="en-US" altLang="en-US" b="1" dirty="0" smtClean="0">
+                <a:latin typeface="Arial" charset="0"/>
+              </a:rPr>
+              <a:t>Tuesday</a:t>
+            </a:r>
+            <a:r>
+              <a:rPr lang="en-US" altLang="en-US" b="1" dirty="0">
+                <a:latin typeface="Arial" charset="0"/>
+              </a:rPr>
+              <a:t>, January 9 • 2:00pm - </a:t>
+            </a:r>
+            <a:r>
+              <a:rPr lang="en-US" altLang="en-US" b="1" dirty="0" smtClean="0">
+                <a:latin typeface="Arial" charset="0"/>
+              </a:rPr>
+              <a:t>3:30pm </a:t>
+            </a:r>
+            <a:r>
+              <a:rPr lang="en-US" altLang="en-US" dirty="0">
+                <a:latin typeface="Arial" charset="0"/>
+              </a:rPr>
+              <a:t>  </a:t>
+            </a:r>
+            <a:r>
+              <a:rPr lang="en-US" altLang="en-US" dirty="0">
+                <a:latin typeface="Arial" charset="0"/>
+                <a:hlinkClick r:id="rId2"/>
+              </a:rPr>
+              <a:t>Visioning a Software Tools Framework &amp; Workflow for near-End-to-End Sensor Data Management </a:t>
+            </a:r>
+            <a:r>
+              <a:rPr lang="en-US" altLang="en-US" dirty="0" smtClean="0">
+                <a:latin typeface="Arial" charset="0"/>
+              </a:rPr>
+              <a:t> </a:t>
+            </a:r>
+            <a:r>
+              <a:rPr lang="en-US" dirty="0" smtClean="0">
+                <a:hlinkClick r:id="rId3"/>
+              </a:rPr>
+              <a:t>http</a:t>
+            </a:r>
+            <a:r>
+              <a:rPr lang="en-US" dirty="0">
+                <a:hlinkClick r:id="rId3"/>
+              </a:rPr>
+              <a:t>://</a:t>
+            </a:r>
+            <a:r>
+              <a:rPr lang="en-US" dirty="0" smtClean="0">
+                <a:hlinkClick r:id="rId3"/>
+              </a:rPr>
+              <a:t>sched.co/D6DG</a:t>
+            </a:r>
+            <a:endParaRPr lang="en-US" dirty="0" smtClean="0"/>
+          </a:p>
+          <a:p>
+            <a:pPr marL="457200" indent="-457200" algn="just">
+              <a:buFont typeface="Arial" charset="0"/>
+              <a:buChar char="•"/>
+            </a:pPr>
+            <a:r>
+              <a:rPr lang="en-US" altLang="en-US" b="1" dirty="0">
+                <a:latin typeface="Arial" charset="0"/>
+              </a:rPr>
+              <a:t>Tuesday, January 9 • 4:00pm - 5:30pm </a:t>
+            </a:r>
+            <a:r>
+              <a:rPr lang="en-US" altLang="en-US" dirty="0">
+                <a:latin typeface="Arial" charset="0"/>
+              </a:rPr>
+              <a:t>  </a:t>
+            </a:r>
+            <a:r>
+              <a:rPr lang="en-US" altLang="en-US" dirty="0">
+                <a:latin typeface="Arial" charset="0"/>
+                <a:hlinkClick r:id="rId4"/>
+              </a:rPr>
+              <a:t>ESIP Lab Overview and Community PROV Challenge Report Out </a:t>
+            </a:r>
+            <a:r>
+              <a:rPr lang="en-US" altLang="en-US" dirty="0">
+                <a:latin typeface="Arial" charset="0"/>
+                <a:hlinkClick r:id="rId5"/>
+              </a:rPr>
+              <a:t>http://</a:t>
+            </a:r>
+            <a:r>
+              <a:rPr lang="en-US" altLang="en-US" dirty="0" smtClean="0">
+                <a:latin typeface="Arial" charset="0"/>
+                <a:hlinkClick r:id="rId5"/>
+              </a:rPr>
+              <a:t>sched.co/D6CF</a:t>
+            </a:r>
+            <a:endParaRPr lang="en-US" altLang="en-US" dirty="0" smtClean="0">
+              <a:latin typeface="Arial" charset="0"/>
+            </a:endParaRPr>
+          </a:p>
+          <a:p>
+            <a:pPr marL="457200" indent="-457200" algn="just">
+              <a:buFont typeface="Arial" charset="0"/>
+              <a:buChar char="•"/>
+            </a:pPr>
+            <a:r>
+              <a:rPr lang="en-US" altLang="en-US" b="1" dirty="0">
+                <a:latin typeface="Arial" charset="0"/>
+              </a:rPr>
+              <a:t>Wednesday, January 10 • 2:30pm - 4:00pm </a:t>
+            </a:r>
+            <a:r>
+              <a:rPr lang="en-US" altLang="en-US" dirty="0">
+                <a:latin typeface="Arial" charset="0"/>
+              </a:rPr>
+              <a:t>  </a:t>
+            </a:r>
+            <a:r>
+              <a:rPr lang="en-US" altLang="en-US" dirty="0">
+                <a:latin typeface="Arial" charset="0"/>
+                <a:hlinkClick r:id="rId6"/>
+              </a:rPr>
+              <a:t>Joint session between the Semantic Web cluster and Drone Cluster: Applying semantic tech to sUAS data </a:t>
+            </a:r>
+            <a:r>
+              <a:rPr lang="en-US" altLang="en-US" dirty="0">
+                <a:latin typeface="Arial" charset="0"/>
+                <a:hlinkClick r:id="rId7"/>
+              </a:rPr>
+              <a:t>http://</a:t>
+            </a:r>
+            <a:r>
+              <a:rPr lang="en-US" altLang="en-US" dirty="0" smtClean="0">
+                <a:latin typeface="Arial" charset="0"/>
+                <a:hlinkClick r:id="rId7"/>
+              </a:rPr>
+              <a:t>sched.co/D6DQ</a:t>
+            </a:r>
+            <a:endParaRPr lang="en-US" altLang="en-US" dirty="0">
+              <a:latin typeface="Arial" charset="0"/>
+            </a:endParaRPr>
+          </a:p>
+          <a:p>
+            <a:pPr marL="457200" indent="-457200" algn="just">
+              <a:buFont typeface="Arial" charset="0"/>
+              <a:buChar char="•"/>
+            </a:pPr>
+            <a:r>
+              <a:rPr lang="en-US" b="1" dirty="0" smtClean="0"/>
+              <a:t>Wednesday</a:t>
+            </a:r>
+            <a:r>
+              <a:rPr lang="en-US" dirty="0"/>
+              <a:t>, January 10 • 2:30pm - 4:00pm </a:t>
+            </a:r>
+            <a:r>
+              <a:rPr lang="en-US" dirty="0" smtClean="0"/>
+              <a:t> </a:t>
+            </a:r>
+            <a:r>
+              <a:rPr lang="en-US" dirty="0" smtClean="0">
+                <a:hlinkClick r:id="rId8"/>
+              </a:rPr>
+              <a:t>Enhancing </a:t>
+            </a:r>
+            <a:r>
+              <a:rPr lang="en-US" dirty="0">
+                <a:hlinkClick r:id="rId8"/>
+              </a:rPr>
+              <a:t>discovery and use of climate resilience solutions through provenance, text analytics, visualization, and </a:t>
+            </a:r>
+            <a:r>
+              <a:rPr lang="en-US" dirty="0" smtClean="0">
+                <a:hlinkClick r:id="rId8"/>
+              </a:rPr>
+              <a:t>semantics http</a:t>
+            </a:r>
+            <a:r>
+              <a:rPr lang="en-US" dirty="0">
+                <a:hlinkClick r:id="rId8"/>
+              </a:rPr>
+              <a:t>://</a:t>
+            </a:r>
+            <a:r>
+              <a:rPr lang="en-US" dirty="0" smtClean="0">
+                <a:hlinkClick r:id="rId8"/>
+              </a:rPr>
+              <a:t>sched.co/D6Dc</a:t>
+            </a:r>
+          </a:p>
+          <a:p>
+            <a:pPr marL="457200" indent="-457200" algn="just">
+              <a:buFont typeface="Arial" charset="0"/>
+              <a:buChar char="•"/>
+            </a:pPr>
+            <a:r>
+              <a:rPr lang="en-US" altLang="en-US" b="1" dirty="0">
+                <a:latin typeface="Arial" charset="0"/>
+              </a:rPr>
+              <a:t>Wednesday, January 10 • 4:30pm - 6:00pm </a:t>
+            </a:r>
+            <a:r>
+              <a:rPr lang="en-US" altLang="en-US" dirty="0">
+                <a:latin typeface="Arial" charset="0"/>
+              </a:rPr>
+              <a:t>  </a:t>
+            </a:r>
+            <a:r>
+              <a:rPr lang="en-US" altLang="en-US" dirty="0">
+                <a:latin typeface="Arial" charset="0"/>
+                <a:hlinkClick r:id="rId9"/>
+              </a:rPr>
+              <a:t>SWEET Ontology Suite v3: Development, Alignments and Use Cases </a:t>
+            </a:r>
+            <a:r>
+              <a:rPr lang="en-US" altLang="en-US" dirty="0">
+                <a:latin typeface="Arial" charset="0"/>
+                <a:hlinkClick r:id="rId10"/>
+              </a:rPr>
+              <a:t>http://</a:t>
+            </a:r>
+            <a:r>
+              <a:rPr lang="en-US" altLang="en-US" dirty="0" smtClean="0">
+                <a:latin typeface="Arial" charset="0"/>
+                <a:hlinkClick r:id="rId10"/>
+              </a:rPr>
+              <a:t>sched.co/D6Dh</a:t>
+            </a:r>
+            <a:endParaRPr lang="en-US" altLang="en-US" dirty="0">
+              <a:latin typeface="Arial" charset="0"/>
+            </a:endParaRPr>
+          </a:p>
+          <a:p>
+            <a:pPr marL="457200" indent="-457200" algn="just">
+              <a:buFont typeface="Arial" charset="0"/>
+              <a:buChar char="•"/>
+            </a:pPr>
+            <a:r>
+              <a:rPr lang="en-US" b="1" dirty="0" smtClean="0"/>
+              <a:t>Thursday</a:t>
+            </a:r>
+            <a:r>
+              <a:rPr lang="en-US" dirty="0"/>
+              <a:t>, January 11 • 9:00am - 10:30am </a:t>
+            </a:r>
+            <a:r>
+              <a:rPr lang="en-US" dirty="0" smtClean="0">
+                <a:hlinkClick r:id="rId11"/>
+              </a:rPr>
+              <a:t>Linking </a:t>
+            </a:r>
+            <a:r>
+              <a:rPr lang="en-US" dirty="0">
+                <a:hlinkClick r:id="rId11"/>
+              </a:rPr>
+              <a:t>Knowledge Across Earth Science and Sustainable Development: Connecting ESIP Semantic Technology to the UN </a:t>
+            </a:r>
+            <a:r>
+              <a:rPr lang="en-US" dirty="0" smtClean="0">
+                <a:hlinkClick r:id="rId11"/>
+              </a:rPr>
+              <a:t>SDGs</a:t>
+            </a:r>
+            <a:r>
+              <a:rPr lang="en-US" dirty="0"/>
+              <a:t> </a:t>
+            </a:r>
+            <a:r>
+              <a:rPr lang="en-US" dirty="0">
+                <a:hlinkClick r:id="rId12"/>
+              </a:rPr>
+              <a:t>http://</a:t>
+            </a:r>
+            <a:r>
+              <a:rPr lang="en-US" dirty="0" smtClean="0">
+                <a:hlinkClick r:id="rId12"/>
+              </a:rPr>
+              <a:t>sched.co/D6De</a:t>
+            </a:r>
+            <a:endParaRPr lang="en-US" dirty="0"/>
+          </a:p>
+          <a:p>
+            <a:pPr marL="457200" indent="-457200" algn="just">
+              <a:buFont typeface="Arial" charset="0"/>
+              <a:buChar char="•"/>
+            </a:pPr>
+            <a:r>
+              <a:rPr lang="en-US" b="1" dirty="0" smtClean="0"/>
+              <a:t>Thursday</a:t>
+            </a:r>
+            <a:r>
+              <a:rPr lang="en-US" dirty="0"/>
+              <a:t>, January 11 • 1:30pm - </a:t>
+            </a:r>
+            <a:r>
+              <a:rPr lang="en-US" dirty="0" smtClean="0"/>
+              <a:t>3:00pm </a:t>
+            </a:r>
+            <a:r>
+              <a:rPr lang="en-US" dirty="0" smtClean="0">
+                <a:hlinkClick r:id="rId13"/>
+              </a:rPr>
+              <a:t>Shared </a:t>
+            </a:r>
+            <a:r>
+              <a:rPr lang="en-US" dirty="0">
+                <a:hlinkClick r:id="rId13"/>
+              </a:rPr>
+              <a:t>Vocabularies Facilitate Data </a:t>
+            </a:r>
+            <a:r>
+              <a:rPr lang="en-US" dirty="0" smtClean="0">
+                <a:hlinkClick r:id="rId13"/>
+              </a:rPr>
+              <a:t>Use</a:t>
+            </a:r>
+            <a:r>
+              <a:rPr lang="en-US" dirty="0"/>
+              <a:t> </a:t>
+            </a:r>
+            <a:r>
+              <a:rPr lang="en-US" dirty="0">
+                <a:hlinkClick r:id="rId14"/>
+              </a:rPr>
+              <a:t>http://</a:t>
+            </a:r>
+            <a:r>
+              <a:rPr lang="en-US" dirty="0" smtClean="0">
+                <a:hlinkClick r:id="rId14"/>
+              </a:rPr>
+              <a:t>sched.co/D6DY</a:t>
+            </a:r>
+            <a:endParaRPr lang="en-US" dirty="0"/>
+          </a:p>
+          <a:p>
+            <a:pPr marL="457200" indent="-457200" algn="just">
+              <a:buFont typeface="Arial" charset="0"/>
+              <a:buChar char="•"/>
+            </a:pPr>
+            <a:r>
+              <a:rPr lang="en-US" b="1" dirty="0" smtClean="0"/>
+              <a:t>Thursday</a:t>
+            </a:r>
+            <a:r>
+              <a:rPr lang="en-US" dirty="0"/>
+              <a:t>, January 11 • 1:30pm - </a:t>
+            </a:r>
+            <a:r>
+              <a:rPr lang="en-US" dirty="0" smtClean="0"/>
+              <a:t>3:00pm </a:t>
+            </a:r>
+            <a:r>
+              <a:rPr lang="en-US" dirty="0" smtClean="0">
+                <a:hlinkClick r:id="rId15"/>
+              </a:rPr>
+              <a:t>Semantic </a:t>
+            </a:r>
+            <a:r>
+              <a:rPr lang="en-US" dirty="0">
+                <a:hlinkClick r:id="rId15"/>
+              </a:rPr>
+              <a:t>Technology Committee Business </a:t>
+            </a:r>
+            <a:r>
+              <a:rPr lang="en-US" dirty="0" smtClean="0">
+                <a:hlinkClick r:id="rId15"/>
+              </a:rPr>
+              <a:t>Meeting</a:t>
+            </a:r>
+            <a:r>
+              <a:rPr lang="en-US" dirty="0"/>
+              <a:t> </a:t>
+            </a:r>
+            <a:r>
+              <a:rPr lang="en-US" dirty="0">
+                <a:hlinkClick r:id="rId16"/>
+              </a:rPr>
+              <a:t>http://</a:t>
+            </a:r>
+            <a:r>
+              <a:rPr lang="en-US" dirty="0" smtClean="0">
+                <a:hlinkClick r:id="rId16"/>
+              </a:rPr>
+              <a:t>sched.co/D6D8</a:t>
+            </a:r>
+            <a:endParaRPr lang="en-US" dirty="0"/>
+          </a:p>
+          <a:p>
+            <a:pPr marL="457200" indent="-457200" algn="just">
+              <a:buFont typeface="Arial" charset="0"/>
+              <a:buChar char="•"/>
+            </a:pPr>
+            <a:r>
+              <a:rPr lang="en-US" b="1" dirty="0" smtClean="0"/>
+              <a:t>Thursday</a:t>
+            </a:r>
+            <a:r>
+              <a:rPr lang="en-US" dirty="0"/>
+              <a:t>, January 11 • 3:30pm - 5:00pm </a:t>
+            </a:r>
+            <a:r>
+              <a:rPr lang="en-US" dirty="0" smtClean="0">
+                <a:hlinkClick r:id="rId17"/>
+              </a:rPr>
+              <a:t>COR </a:t>
+            </a:r>
+            <a:r>
+              <a:rPr lang="en-US" dirty="0">
+                <a:hlinkClick r:id="rId17"/>
+              </a:rPr>
+              <a:t>Developer </a:t>
+            </a:r>
+            <a:r>
+              <a:rPr lang="en-US" dirty="0" smtClean="0">
+                <a:hlinkClick r:id="rId17"/>
+              </a:rPr>
+              <a:t>Workshop</a:t>
+            </a:r>
+            <a:r>
+              <a:rPr lang="en-US" dirty="0"/>
+              <a:t> </a:t>
+            </a:r>
+            <a:r>
+              <a:rPr lang="en-US" dirty="0">
+                <a:hlinkClick r:id="rId18"/>
+              </a:rPr>
+              <a:t>http://</a:t>
+            </a:r>
+            <a:r>
+              <a:rPr lang="en-US" dirty="0" smtClean="0">
+                <a:hlinkClick r:id="rId18"/>
+              </a:rPr>
+              <a:t>sched.co/D6oC</a:t>
+            </a:r>
+            <a:endParaRPr lang="en-US" dirty="0" smtClean="0"/>
+          </a:p>
+        </p:txBody>
+      </p:sp>
+      <p:sp>
+        <p:nvSpPr>
+          <p:cNvPr id="5" name="Rectangle 3"/>
+          <p:cNvSpPr>
+            <a:spLocks noChangeArrowheads="1"/>
+          </p:cNvSpPr>
+          <p:nvPr/>
+        </p:nvSpPr>
+        <p:spPr bwMode="auto">
+          <a:xfrm>
+            <a:off x="0" y="43934"/>
+            <a:ext cx="312906" cy="369332"/>
+          </a:xfrm>
+          <a:prstGeom prst="rect">
+            <a:avLst/>
+          </a:prstGeom>
+          <a:noFill/>
+          <a:ln>
+            <a:noFill/>
+          </a:ln>
+          <a:effectLst/>
+          <a:extLst>
+            <a:ext uri="{909E8E84-426E-40DD-AFC4-6F175D3DCCD1}">
+              <a14:hiddenFill xmlns:a14="http://schemas.microsoft.com/office/drawing/2010/main">
+                <a:solidFill>
+                  <a:schemeClr val="accent1"/>
+                </a:solidFill>
+              </a14:hiddenFill>
+            </a:ext>
+            <a:ext uri="{91240B29-F687-4F45-9708-019B960494DF}">
+              <a14:hiddenLine xmlns:a14="http://schemas.microsoft.com/office/drawing/2010/main" w="9525">
+                <a:solidFill>
+                  <a:schemeClr val="tx1"/>
+                </a:solidFill>
+                <a:miter lim="800000"/>
+                <a:headEnd/>
+                <a:tailEnd/>
+              </a14:hiddenLine>
+            </a:ext>
+            <a:ext uri="{AF507438-7753-43E0-B8FC-AC1667EBCBE1}">
+              <a14:hiddenEffects xmlns:a14="http://schemas.microsoft.com/office/drawing/2010/main">
+                <a:effectLst>
+                  <a:outerShdw blurRad="63500" dist="38099" dir="2700000" algn="ctr" rotWithShape="0">
+                    <a:schemeClr val="bg2">
+                      <a:alpha val="74998"/>
+                    </a:schemeClr>
+                  </a:outerShdw>
+                </a:effectLst>
+              </a14:hiddenEffects>
+            </a:ext>
+          </a:extLst>
+        </p:spPr>
+        <p:txBody>
+          <a:bodyPr vert="horz" wrap="none" lIns="91440" tIns="45720" rIns="91440" bIns="45720" numCol="1" anchor="ctr" anchorCtr="0" compatLnSpc="1">
+            <a:prstTxWarp prst="textNoShape">
+              <a:avLst/>
+            </a:prstTxWarp>
+            <a:spAutoFit/>
+          </a:bodyPr>
+          <a:lstStyle/>
+          <a:p>
+            <a:pPr marL="0" marR="0" lvl="0" indent="0" algn="l" defTabSz="914400" rtl="0" eaLnBrk="0" fontAlgn="base" latinLnBrk="0" hangingPunct="0">
+              <a:lnSpc>
+                <a:spcPct val="100000"/>
+              </a:lnSpc>
+              <a:spcBef>
+                <a:spcPct val="0"/>
+              </a:spcBef>
+              <a:spcAft>
+                <a:spcPct val="0"/>
+              </a:spcAft>
+              <a:buClrTx/>
+              <a:buSzTx/>
+              <a:buFontTx/>
+              <a:buNone/>
+              <a:tabLst/>
+            </a:pPr>
+            <a:r>
+              <a:rPr kumimoji="0" lang="en-US" altLang="en-US" sz="1800" b="0" i="0" u="none" strike="noStrike" cap="none" normalizeH="0" baseline="0" dirty="0" smtClean="0">
+                <a:ln>
+                  <a:noFill/>
+                </a:ln>
+                <a:solidFill>
+                  <a:schemeClr val="tx1"/>
+                </a:solidFill>
+                <a:effectLst/>
+                <a:latin typeface="Arial" charset="0"/>
+              </a:rPr>
+              <a:t>  </a:t>
+            </a:r>
+            <a:endParaRPr kumimoji="0" lang="en-US" altLang="en-US" sz="2200" b="0" i="0" u="none" strike="noStrike" cap="none" normalizeH="0" baseline="0" dirty="0">
+              <a:ln>
+                <a:noFill/>
+              </a:ln>
+              <a:solidFill>
+                <a:schemeClr val="tx1"/>
+              </a:solidFill>
+              <a:effectLst/>
+              <a:latin typeface="Arial" charset="0"/>
+            </a:endParaRPr>
+          </a:p>
+        </p:txBody>
+      </p:sp>
+      <p:pic>
+        <p:nvPicPr>
+          <p:cNvPr id="1028" name="Picture 4" descr="https://cdn.schd.ws/common/img/add-to-sched-lines.png"/>
+          <p:cNvPicPr>
+            <a:picLocks noChangeAspect="1" noChangeArrowheads="1"/>
+          </p:cNvPicPr>
+          <p:nvPr/>
+        </p:nvPicPr>
+        <p:blipFill>
+          <a:blip r:embed="rId19">
+            <a:extLst>
+              <a:ext uri="{28A0092B-C50C-407E-A947-70E740481C1C}">
+                <a14:useLocalDpi xmlns:a14="http://schemas.microsoft.com/office/drawing/2010/main" val="0"/>
+              </a:ext>
+            </a:extLst>
+          </a:blip>
+          <a:srcRect/>
+          <a:stretch>
+            <a:fillRect/>
+          </a:stretch>
+        </p:blipFill>
+        <p:spPr bwMode="auto">
+          <a:xfrm>
+            <a:off x="0" y="0"/>
+            <a:ext cx="361950" cy="361950"/>
+          </a:xfrm>
+          <a:prstGeom prst="rect">
+            <a:avLst/>
+          </a:prstGeom>
+          <a:noFill/>
+          <a:extLst>
+            <a:ext uri="{909E8E84-426E-40DD-AFC4-6F175D3DCCD1}">
+              <a14:hiddenFill xmlns:a14="http://schemas.microsoft.com/office/drawing/2010/main">
+                <a:solidFill>
+                  <a:srgbClr val="FFFFFF"/>
+                </a:solidFill>
+              </a14:hiddenFill>
+            </a:ext>
+          </a:extLst>
+        </p:spPr>
+      </p:pic>
+      <p:sp>
+        <p:nvSpPr>
+          <p:cNvPr id="6" name="Rectangle 5"/>
+          <p:cNvSpPr>
+            <a:spLocks noChangeArrowheads="1"/>
+          </p:cNvSpPr>
+          <p:nvPr/>
+        </p:nvSpPr>
+        <p:spPr bwMode="auto">
+          <a:xfrm>
+            <a:off x="152400" y="196334"/>
+            <a:ext cx="312906" cy="369332"/>
+          </a:xfrm>
+          <a:prstGeom prst="rect">
+            <a:avLst/>
+          </a:prstGeom>
+          <a:noFill/>
+          <a:ln>
+            <a:noFill/>
+          </a:ln>
+          <a:effectLst/>
+          <a:extLst>
+            <a:ext uri="{909E8E84-426E-40DD-AFC4-6F175D3DCCD1}">
+              <a14:hiddenFill xmlns:a14="http://schemas.microsoft.com/office/drawing/2010/main">
+                <a:solidFill>
+                  <a:schemeClr val="accent1"/>
+                </a:solidFill>
+              </a14:hiddenFill>
+            </a:ext>
+            <a:ext uri="{91240B29-F687-4F45-9708-019B960494DF}">
+              <a14:hiddenLine xmlns:a14="http://schemas.microsoft.com/office/drawing/2010/main" w="9525">
+                <a:solidFill>
+                  <a:schemeClr val="tx1"/>
+                </a:solidFill>
+                <a:miter lim="800000"/>
+                <a:headEnd/>
+                <a:tailEnd/>
+              </a14:hiddenLine>
+            </a:ext>
+            <a:ext uri="{AF507438-7753-43E0-B8FC-AC1667EBCBE1}">
+              <a14:hiddenEffects xmlns:a14="http://schemas.microsoft.com/office/drawing/2010/main">
+                <a:effectLst>
+                  <a:outerShdw blurRad="63500" dist="38099" dir="2700000" algn="ctr" rotWithShape="0">
+                    <a:schemeClr val="bg2">
+                      <a:alpha val="74998"/>
+                    </a:schemeClr>
+                  </a:outerShdw>
+                </a:effectLst>
+              </a14:hiddenEffects>
+            </a:ext>
+          </a:extLst>
+        </p:spPr>
+        <p:txBody>
+          <a:bodyPr vert="horz" wrap="none" lIns="91440" tIns="45720" rIns="91440" bIns="45720" numCol="1" anchor="ctr" anchorCtr="0" compatLnSpc="1">
+            <a:prstTxWarp prst="textNoShape">
+              <a:avLst/>
+            </a:prstTxWarp>
+            <a:spAutoFit/>
+          </a:bodyPr>
+          <a:lstStyle/>
+          <a:p>
+            <a:pPr marL="0" marR="0" lvl="0" indent="0" algn="l" defTabSz="914400" rtl="0" eaLnBrk="0" fontAlgn="base" latinLnBrk="0" hangingPunct="0">
+              <a:lnSpc>
+                <a:spcPct val="100000"/>
+              </a:lnSpc>
+              <a:spcBef>
+                <a:spcPct val="0"/>
+              </a:spcBef>
+              <a:spcAft>
+                <a:spcPct val="0"/>
+              </a:spcAft>
+              <a:buClrTx/>
+              <a:buSzTx/>
+              <a:buFontTx/>
+              <a:buNone/>
+              <a:tabLst/>
+            </a:pPr>
+            <a:r>
+              <a:rPr kumimoji="0" lang="en-US" altLang="en-US" sz="1800" b="0" i="0" u="none" strike="noStrike" cap="none" normalizeH="0" baseline="0" dirty="0" smtClean="0">
+                <a:ln>
+                  <a:noFill/>
+                </a:ln>
+                <a:solidFill>
+                  <a:schemeClr val="tx1"/>
+                </a:solidFill>
+                <a:effectLst/>
+                <a:latin typeface="Arial" charset="0"/>
+              </a:rPr>
+              <a:t>  </a:t>
+            </a:r>
+            <a:endParaRPr kumimoji="0" lang="en-US" altLang="en-US" sz="2200" b="0" i="0" u="none" strike="noStrike" cap="none" normalizeH="0" baseline="0" dirty="0">
+              <a:ln>
+                <a:noFill/>
+              </a:ln>
+              <a:solidFill>
+                <a:schemeClr val="tx1"/>
+              </a:solidFill>
+              <a:effectLst/>
+              <a:latin typeface="Arial" charset="0"/>
+            </a:endParaRPr>
+          </a:p>
+        </p:txBody>
+      </p:sp>
+      <p:pic>
+        <p:nvPicPr>
+          <p:cNvPr id="1030" name="Picture 6" descr="https://cdn.schd.ws/common/img/add-to-sched-lines.png"/>
+          <p:cNvPicPr>
+            <a:picLocks noChangeAspect="1" noChangeArrowheads="1"/>
+          </p:cNvPicPr>
+          <p:nvPr/>
+        </p:nvPicPr>
+        <p:blipFill>
+          <a:blip r:embed="rId19">
+            <a:extLst>
+              <a:ext uri="{28A0092B-C50C-407E-A947-70E740481C1C}">
+                <a14:useLocalDpi xmlns:a14="http://schemas.microsoft.com/office/drawing/2010/main" val="0"/>
+              </a:ext>
+            </a:extLst>
+          </a:blip>
+          <a:srcRect/>
+          <a:stretch>
+            <a:fillRect/>
+          </a:stretch>
+        </p:blipFill>
+        <p:spPr bwMode="auto">
+          <a:xfrm>
+            <a:off x="152400" y="152400"/>
+            <a:ext cx="361950" cy="361950"/>
+          </a:xfrm>
+          <a:prstGeom prst="rect">
+            <a:avLst/>
+          </a:prstGeom>
+          <a:noFill/>
+          <a:extLst>
+            <a:ext uri="{909E8E84-426E-40DD-AFC4-6F175D3DCCD1}">
+              <a14:hiddenFill xmlns:a14="http://schemas.microsoft.com/office/drawing/2010/main">
+                <a:solidFill>
+                  <a:srgbClr val="FFFFFF"/>
+                </a:solidFill>
+              </a14:hiddenFill>
+            </a:ext>
+          </a:extLst>
+        </p:spPr>
+      </p:pic>
+      <p:sp>
+        <p:nvSpPr>
+          <p:cNvPr id="7" name="Rectangle 7"/>
+          <p:cNvSpPr>
+            <a:spLocks noChangeArrowheads="1"/>
+          </p:cNvSpPr>
+          <p:nvPr/>
+        </p:nvSpPr>
+        <p:spPr bwMode="auto">
+          <a:xfrm>
+            <a:off x="304800" y="348734"/>
+            <a:ext cx="312906" cy="369332"/>
+          </a:xfrm>
+          <a:prstGeom prst="rect">
+            <a:avLst/>
+          </a:prstGeom>
+          <a:noFill/>
+          <a:ln>
+            <a:noFill/>
+          </a:ln>
+          <a:effectLst/>
+          <a:extLst>
+            <a:ext uri="{909E8E84-426E-40DD-AFC4-6F175D3DCCD1}">
+              <a14:hiddenFill xmlns:a14="http://schemas.microsoft.com/office/drawing/2010/main">
+                <a:solidFill>
+                  <a:schemeClr val="accent1"/>
+                </a:solidFill>
+              </a14:hiddenFill>
+            </a:ext>
+            <a:ext uri="{91240B29-F687-4F45-9708-019B960494DF}">
+              <a14:hiddenLine xmlns:a14="http://schemas.microsoft.com/office/drawing/2010/main" w="9525">
+                <a:solidFill>
+                  <a:schemeClr val="tx1"/>
+                </a:solidFill>
+                <a:miter lim="800000"/>
+                <a:headEnd/>
+                <a:tailEnd/>
+              </a14:hiddenLine>
+            </a:ext>
+            <a:ext uri="{AF507438-7753-43E0-B8FC-AC1667EBCBE1}">
+              <a14:hiddenEffects xmlns:a14="http://schemas.microsoft.com/office/drawing/2010/main">
+                <a:effectLst>
+                  <a:outerShdw blurRad="63500" dist="38099" dir="2700000" algn="ctr" rotWithShape="0">
+                    <a:schemeClr val="bg2">
+                      <a:alpha val="74998"/>
+                    </a:schemeClr>
+                  </a:outerShdw>
+                </a:effectLst>
+              </a14:hiddenEffects>
+            </a:ext>
+          </a:extLst>
+        </p:spPr>
+        <p:txBody>
+          <a:bodyPr vert="horz" wrap="none" lIns="91440" tIns="45720" rIns="91440" bIns="45720" numCol="1" anchor="ctr" anchorCtr="0" compatLnSpc="1">
+            <a:prstTxWarp prst="textNoShape">
+              <a:avLst/>
+            </a:prstTxWarp>
+            <a:spAutoFit/>
+          </a:bodyPr>
+          <a:lstStyle/>
+          <a:p>
+            <a:pPr marL="0" marR="0" lvl="0" indent="0" algn="l" defTabSz="914400" rtl="0" eaLnBrk="0" fontAlgn="base" latinLnBrk="0" hangingPunct="0">
+              <a:lnSpc>
+                <a:spcPct val="100000"/>
+              </a:lnSpc>
+              <a:spcBef>
+                <a:spcPct val="0"/>
+              </a:spcBef>
+              <a:spcAft>
+                <a:spcPct val="0"/>
+              </a:spcAft>
+              <a:buClrTx/>
+              <a:buSzTx/>
+              <a:buFontTx/>
+              <a:buNone/>
+              <a:tabLst/>
+            </a:pPr>
+            <a:r>
+              <a:rPr kumimoji="0" lang="en-US" altLang="en-US" sz="1800" b="0" i="0" u="none" strike="noStrike" cap="none" normalizeH="0" baseline="0" dirty="0" smtClean="0">
+                <a:ln>
+                  <a:noFill/>
+                </a:ln>
+                <a:solidFill>
+                  <a:schemeClr val="tx1"/>
+                </a:solidFill>
+                <a:effectLst/>
+                <a:latin typeface="Arial" charset="0"/>
+              </a:rPr>
+              <a:t>  </a:t>
+            </a:r>
+            <a:endParaRPr kumimoji="0" lang="en-US" altLang="en-US" sz="2200" b="0" i="0" u="none" strike="noStrike" cap="none" normalizeH="0" baseline="0" dirty="0">
+              <a:ln>
+                <a:noFill/>
+              </a:ln>
+              <a:solidFill>
+                <a:schemeClr val="tx1"/>
+              </a:solidFill>
+              <a:effectLst/>
+              <a:latin typeface="Arial" charset="0"/>
+            </a:endParaRPr>
+          </a:p>
+        </p:txBody>
+      </p:sp>
+      <p:pic>
+        <p:nvPicPr>
+          <p:cNvPr id="1032" name="Picture 8" descr="https://cdn.schd.ws/common/img/add-to-sched-lines.png"/>
+          <p:cNvPicPr>
+            <a:picLocks noChangeAspect="1" noChangeArrowheads="1"/>
+          </p:cNvPicPr>
+          <p:nvPr/>
+        </p:nvPicPr>
+        <p:blipFill>
+          <a:blip r:embed="rId19">
+            <a:extLst>
+              <a:ext uri="{28A0092B-C50C-407E-A947-70E740481C1C}">
+                <a14:useLocalDpi xmlns:a14="http://schemas.microsoft.com/office/drawing/2010/main" val="0"/>
+              </a:ext>
+            </a:extLst>
+          </a:blip>
+          <a:srcRect/>
+          <a:stretch>
+            <a:fillRect/>
+          </a:stretch>
+        </p:blipFill>
+        <p:spPr bwMode="auto">
+          <a:xfrm>
+            <a:off x="304800" y="304800"/>
+            <a:ext cx="361950" cy="361950"/>
+          </a:xfrm>
+          <a:prstGeom prst="rect">
+            <a:avLst/>
+          </a:prstGeom>
+          <a:noFill/>
+          <a:extLst>
+            <a:ext uri="{909E8E84-426E-40DD-AFC4-6F175D3DCCD1}">
+              <a14:hiddenFill xmlns:a14="http://schemas.microsoft.com/office/drawing/2010/main">
+                <a:solidFill>
+                  <a:srgbClr val="FFFFFF"/>
+                </a:solidFill>
+              </a14:hiddenFill>
+            </a:ext>
+          </a:extLst>
+        </p:spPr>
+      </p:pic>
+      <p:sp>
+        <p:nvSpPr>
+          <p:cNvPr id="8" name="Rectangle 9"/>
+          <p:cNvSpPr>
+            <a:spLocks noChangeArrowheads="1"/>
+          </p:cNvSpPr>
+          <p:nvPr/>
+        </p:nvSpPr>
+        <p:spPr bwMode="auto">
+          <a:xfrm>
+            <a:off x="457200" y="501134"/>
+            <a:ext cx="312906" cy="369332"/>
+          </a:xfrm>
+          <a:prstGeom prst="rect">
+            <a:avLst/>
+          </a:prstGeom>
+          <a:noFill/>
+          <a:ln>
+            <a:noFill/>
+          </a:ln>
+          <a:effectLst/>
+          <a:extLst>
+            <a:ext uri="{909E8E84-426E-40DD-AFC4-6F175D3DCCD1}">
+              <a14:hiddenFill xmlns:a14="http://schemas.microsoft.com/office/drawing/2010/main">
+                <a:solidFill>
+                  <a:schemeClr val="accent1"/>
+                </a:solidFill>
+              </a14:hiddenFill>
+            </a:ext>
+            <a:ext uri="{91240B29-F687-4F45-9708-019B960494DF}">
+              <a14:hiddenLine xmlns:a14="http://schemas.microsoft.com/office/drawing/2010/main" w="9525">
+                <a:solidFill>
+                  <a:schemeClr val="tx1"/>
+                </a:solidFill>
+                <a:miter lim="800000"/>
+                <a:headEnd/>
+                <a:tailEnd/>
+              </a14:hiddenLine>
+            </a:ext>
+            <a:ext uri="{AF507438-7753-43E0-B8FC-AC1667EBCBE1}">
+              <a14:hiddenEffects xmlns:a14="http://schemas.microsoft.com/office/drawing/2010/main">
+                <a:effectLst>
+                  <a:outerShdw blurRad="63500" dist="38099" dir="2700000" algn="ctr" rotWithShape="0">
+                    <a:schemeClr val="bg2">
+                      <a:alpha val="74998"/>
+                    </a:schemeClr>
+                  </a:outerShdw>
+                </a:effectLst>
+              </a14:hiddenEffects>
+            </a:ext>
+          </a:extLst>
+        </p:spPr>
+        <p:txBody>
+          <a:bodyPr vert="horz" wrap="none" lIns="91440" tIns="45720" rIns="91440" bIns="45720" numCol="1" anchor="ctr" anchorCtr="0" compatLnSpc="1">
+            <a:prstTxWarp prst="textNoShape">
+              <a:avLst/>
+            </a:prstTxWarp>
+            <a:spAutoFit/>
+          </a:bodyPr>
+          <a:lstStyle/>
+          <a:p>
+            <a:pPr marL="0" marR="0" lvl="0" indent="0" algn="l" defTabSz="914400" rtl="0" eaLnBrk="0" fontAlgn="base" latinLnBrk="0" hangingPunct="0">
+              <a:lnSpc>
+                <a:spcPct val="100000"/>
+              </a:lnSpc>
+              <a:spcBef>
+                <a:spcPct val="0"/>
+              </a:spcBef>
+              <a:spcAft>
+                <a:spcPct val="0"/>
+              </a:spcAft>
+              <a:buClrTx/>
+              <a:buSzTx/>
+              <a:buFontTx/>
+              <a:buNone/>
+              <a:tabLst/>
+            </a:pPr>
+            <a:r>
+              <a:rPr kumimoji="0" lang="en-US" altLang="en-US" sz="1800" b="0" i="0" u="none" strike="noStrike" cap="none" normalizeH="0" baseline="0" dirty="0" smtClean="0">
+                <a:ln>
+                  <a:noFill/>
+                </a:ln>
+                <a:solidFill>
+                  <a:schemeClr val="tx1"/>
+                </a:solidFill>
+                <a:effectLst/>
+                <a:latin typeface="Arial" charset="0"/>
+              </a:rPr>
+              <a:t>  </a:t>
+            </a:r>
+            <a:endParaRPr kumimoji="0" lang="en-US" altLang="en-US" sz="2200" b="0" i="0" u="none" strike="noStrike" cap="none" normalizeH="0" baseline="0" dirty="0">
+              <a:ln>
+                <a:noFill/>
+              </a:ln>
+              <a:solidFill>
+                <a:schemeClr val="tx1"/>
+              </a:solidFill>
+              <a:effectLst/>
+              <a:latin typeface="Arial" charset="0"/>
+            </a:endParaRPr>
+          </a:p>
+        </p:txBody>
+      </p:sp>
+      <p:pic>
+        <p:nvPicPr>
+          <p:cNvPr id="1034" name="Picture 10" descr="https://cdn.schd.ws/common/img/add-to-sched-lines.png"/>
+          <p:cNvPicPr>
+            <a:picLocks noChangeAspect="1" noChangeArrowheads="1"/>
+          </p:cNvPicPr>
+          <p:nvPr/>
+        </p:nvPicPr>
+        <p:blipFill>
+          <a:blip r:embed="rId19">
+            <a:extLst>
+              <a:ext uri="{28A0092B-C50C-407E-A947-70E740481C1C}">
+                <a14:useLocalDpi xmlns:a14="http://schemas.microsoft.com/office/drawing/2010/main" val="0"/>
+              </a:ext>
+            </a:extLst>
+          </a:blip>
+          <a:srcRect/>
+          <a:stretch>
+            <a:fillRect/>
+          </a:stretch>
+        </p:blipFill>
+        <p:spPr bwMode="auto">
+          <a:xfrm>
+            <a:off x="457200" y="457200"/>
+            <a:ext cx="361950" cy="361950"/>
+          </a:xfrm>
+          <a:prstGeom prst="rect">
+            <a:avLst/>
+          </a:prstGeom>
+          <a:noFill/>
+          <a:extLst>
+            <a:ext uri="{909E8E84-426E-40DD-AFC4-6F175D3DCCD1}">
+              <a14:hiddenFill xmlns:a14="http://schemas.microsoft.com/office/drawing/2010/main">
+                <a:solidFill>
+                  <a:srgbClr val="FFFFFF"/>
+                </a:solidFill>
+              </a14:hiddenFill>
+            </a:ext>
+          </a:extLst>
+        </p:spPr>
+      </p:pic>
+    </p:spTree>
+    <p:extLst>
+      <p:ext uri="{BB962C8B-B14F-4D97-AF65-F5344CB8AC3E}">
+        <p14:creationId xmlns:p14="http://schemas.microsoft.com/office/powerpoint/2010/main" val="18763691"/>
+      </p:ext>
+    </p:extLst>
+  </p:cSld>
+  <p:clrMapOvr>
+    <a:masterClrMapping/>
+  </p:clrMapOvr>
+</p:sld>
+</file>
+
+<file path=ppt/slides/slide8.xml><?xml version="1.0" encoding="utf-8"?>
+<p:sld xmlns:a="http://schemas.openxmlformats.org/drawingml/2006/main" xmlns:r="http://schemas.openxmlformats.org/officeDocument/2006/relationships" xmlns:p="http://schemas.openxmlformats.org/presentationml/2006/main">
+  <p:cSld>
+    <p:spTree>
+      <p:nvGrpSpPr>
+        <p:cNvPr id="1" name=""/>
+        <p:cNvGrpSpPr/>
+        <p:nvPr/>
+      </p:nvGrpSpPr>
+      <p:grpSpPr>
+        <a:xfrm>
+          <a:off x="0" y="0"/>
+          <a:ext cx="0" cy="0"/>
+          <a:chOff x="0" y="0"/>
+          <a:chExt cx="0" cy="0"/>
+        </a:xfrm>
+      </p:grpSpPr>
+      <p:sp>
+        <p:nvSpPr>
+          <p:cNvPr id="2" name="Title 1"/>
+          <p:cNvSpPr>
+            <a:spLocks noGrp="1"/>
+          </p:cNvSpPr>
+          <p:nvPr>
+            <p:ph type="title"/>
+          </p:nvPr>
+        </p:nvSpPr>
+        <p:spPr>
+          <a:xfrm>
+            <a:off x="457200" y="190143"/>
+            <a:ext cx="8229600" cy="1143000"/>
+          </a:xfrm>
+        </p:spPr>
+        <p:txBody>
+          <a:bodyPr>
+            <a:normAutofit/>
+          </a:bodyPr>
+          <a:lstStyle/>
+          <a:p>
+            <a:r>
+              <a:rPr lang="en-US" dirty="0" smtClean="0">
+                <a:solidFill>
+                  <a:srgbClr val="67BAF6"/>
+                </a:solidFill>
+              </a:rPr>
               <a:t>Acknowledgements</a:t>
             </a:r>
             <a:endParaRPr lang="en-US" dirty="0">
@@ -4392,6 +5822,175 @@
     <p:extLst>
       <p:ext uri="{BB962C8B-B14F-4D97-AF65-F5344CB8AC3E}">
         <p14:creationId xmlns:p14="http://schemas.microsoft.com/office/powerpoint/2010/main" val="4268592798"/>
+      </p:ext>
+    </p:extLst>
+  </p:cSld>
+  <p:clrMapOvr>
+    <a:masterClrMapping/>
+  </p:clrMapOvr>
+</p:sld>
+</file>
+
+<file path=ppt/slides/slide9.xml><?xml version="1.0" encoding="utf-8"?>
+<p:sld xmlns:a="http://schemas.openxmlformats.org/drawingml/2006/main" xmlns:r="http://schemas.openxmlformats.org/officeDocument/2006/relationships" xmlns:p="http://schemas.openxmlformats.org/presentationml/2006/main">
+  <p:cSld>
+    <p:spTree>
+      <p:nvGrpSpPr>
+        <p:cNvPr id="1" name=""/>
+        <p:cNvGrpSpPr/>
+        <p:nvPr/>
+      </p:nvGrpSpPr>
+      <p:grpSpPr>
+        <a:xfrm>
+          <a:off x="0" y="0"/>
+          <a:ext cx="0" cy="0"/>
+          <a:chOff x="0" y="0"/>
+          <a:chExt cx="0" cy="0"/>
+        </a:xfrm>
+      </p:grpSpPr>
+      <p:sp>
+        <p:nvSpPr>
+          <p:cNvPr id="2" name="Title 1"/>
+          <p:cNvSpPr>
+            <a:spLocks noGrp="1"/>
+          </p:cNvSpPr>
+          <p:nvPr>
+            <p:ph type="title"/>
+          </p:nvPr>
+        </p:nvSpPr>
+        <p:spPr>
+          <a:xfrm>
+            <a:off x="457200" y="190143"/>
+            <a:ext cx="8229600" cy="1143000"/>
+          </a:xfrm>
+        </p:spPr>
+        <p:txBody>
+          <a:bodyPr>
+            <a:normAutofit/>
+          </a:bodyPr>
+          <a:lstStyle/>
+          <a:p>
+            <a:r>
+              <a:rPr lang="en-US" dirty="0" smtClean="0">
+                <a:solidFill>
+                  <a:srgbClr val="67BAF6"/>
+                </a:solidFill>
+              </a:rPr>
+              <a:t>Finally</a:t>
+            </a:r>
+            <a:r>
+              <a:rPr lang="is-IS" dirty="0" smtClean="0">
+                <a:solidFill>
+                  <a:srgbClr val="67BAF6"/>
+                </a:solidFill>
+              </a:rPr>
+              <a:t>… </a:t>
+            </a:r>
+            <a:r>
+              <a:rPr lang="en-US" dirty="0" smtClean="0">
+                <a:solidFill>
+                  <a:srgbClr val="67BAF6"/>
+                </a:solidFill>
+              </a:rPr>
+              <a:t>Feedback</a:t>
+            </a:r>
+            <a:endParaRPr lang="en-US" dirty="0">
+              <a:solidFill>
+                <a:srgbClr val="67BAF6"/>
+              </a:solidFill>
+            </a:endParaRPr>
+          </a:p>
+        </p:txBody>
+      </p:sp>
+      <p:sp>
+        <p:nvSpPr>
+          <p:cNvPr id="3" name="TextBox 2"/>
+          <p:cNvSpPr txBox="1"/>
+          <p:nvPr/>
+        </p:nvSpPr>
+        <p:spPr>
+          <a:xfrm>
+            <a:off x="378617" y="1614553"/>
+            <a:ext cx="8482354" cy="4832092"/>
+          </a:xfrm>
+          <a:prstGeom prst="rect">
+            <a:avLst/>
+          </a:prstGeom>
+          <a:noFill/>
+        </p:spPr>
+        <p:txBody>
+          <a:bodyPr wrap="square" rtlCol="0">
+            <a:spAutoFit/>
+          </a:bodyPr>
+          <a:lstStyle/>
+          <a:p>
+            <a:pPr algn="just"/>
+            <a:r>
+              <a:rPr lang="en-US" sz="2800" dirty="0" smtClean="0"/>
+              <a:t>Feedback on todays content is extremely valuable. The aim is to continue the </a:t>
+            </a:r>
+            <a:r>
+              <a:rPr lang="en-US" sz="2800" dirty="0" err="1" smtClean="0"/>
+              <a:t>Geosemantics</a:t>
+            </a:r>
+            <a:r>
+              <a:rPr lang="en-US" sz="2800" dirty="0" smtClean="0"/>
+              <a:t> Symposium as a co-located, pre-ESIP Winter event for the foreseeable future. Without your criticisms we canno</a:t>
+            </a:r>
+            <a:r>
+              <a:rPr lang="en-US" sz="2800" dirty="0" smtClean="0"/>
+              <a:t>t make the event useful and relevant for attendees.</a:t>
+            </a:r>
+          </a:p>
+          <a:p>
+            <a:pPr algn="just"/>
+            <a:endParaRPr lang="en-US" sz="2800" dirty="0"/>
+          </a:p>
+          <a:p>
+            <a:pPr algn="just"/>
+            <a:r>
+              <a:rPr lang="en-US" sz="2800" dirty="0"/>
+              <a:t>Please give your feedback on SCHED - </a:t>
+            </a:r>
+            <a:r>
+              <a:rPr lang="en-US" sz="2800" dirty="0">
+                <a:hlinkClick r:id="rId2"/>
+              </a:rPr>
+              <a:t>http://</a:t>
+            </a:r>
+            <a:r>
+              <a:rPr lang="en-US" sz="2800" dirty="0" smtClean="0">
+                <a:hlinkClick r:id="rId2"/>
+              </a:rPr>
+              <a:t>sched.co/DIBG</a:t>
+            </a:r>
+            <a:r>
+              <a:rPr lang="en-US" sz="2800" dirty="0" smtClean="0"/>
+              <a:t> under </a:t>
+            </a:r>
+            <a:r>
+              <a:rPr lang="en-US" sz="2800" b="1" i="1" dirty="0" smtClean="0"/>
+              <a:t>What did you think?</a:t>
+            </a:r>
+          </a:p>
+          <a:p>
+            <a:pPr algn="just"/>
+            <a:endParaRPr lang="en-US" sz="2800" b="1" i="1" dirty="0"/>
+          </a:p>
+          <a:p>
+            <a:pPr algn="just"/>
+            <a:r>
+              <a:rPr lang="en-US" sz="2800" dirty="0" smtClean="0"/>
+              <a:t>Additionally, please speak or email Beth+/Lewis</a:t>
+            </a:r>
+            <a:endParaRPr lang="en-US" sz="2800" dirty="0" smtClean="0"/>
+          </a:p>
+        </p:txBody>
+      </p:sp>
+    </p:spTree>
+    <p:extLst>
+      <p:ext uri="{BB962C8B-B14F-4D97-AF65-F5344CB8AC3E}">
+        <p14:creationId xmlns:p14="http://schemas.microsoft.com/office/powerpoint/2010/main" val="1190424382"/>
       </p:ext>
     </p:extLst>
   </p:cSld>
